--- a/TDD/DOJO-coding.pptx
+++ b/TDD/DOJO-coding.pptx
@@ -9,7 +9,9 @@
     <p:sldId id="257" r:id="rId3"/>
     <p:sldId id="258" r:id="rId4"/>
     <p:sldId id="259" r:id="rId5"/>
-    <p:sldId id="260" r:id="rId6"/>
+    <p:sldId id="262" r:id="rId6"/>
+    <p:sldId id="261" r:id="rId7"/>
+    <p:sldId id="260" r:id="rId8"/>
   </p:sldIdLst>
   <p:sldSz cx="12192000" cy="6858000"/>
   <p:notesSz cx="6858000" cy="9144000"/>
@@ -108,6 +110,11 @@
       </a:defRPr>
     </a:lvl9pPr>
   </p:defaultTextStyle>
+  <p:extLst>
+    <p:ext uri="{EFAFB233-063F-42B5-8137-9DF3F51BA10A}">
+      <p15:sldGuideLst xmlns:p15="http://schemas.microsoft.com/office/powerpoint/2012/main"/>
+    </p:ext>
+  </p:extLst>
 </p:presentation>
 </file>
 
@@ -299,7 +306,7 @@
           <a:p>
             <a:fld id="{A74DFF26-CE56-4662-B2CF-543DD1B03770}" type="datetimeFigureOut">
               <a:rPr lang="en-US" smtClean="0"/>
-              <a:t>4/3/2018</a:t>
+              <a:t>4/6/2018</a:t>
             </a:fld>
             <a:endParaRPr lang="en-US"/>
           </a:p>
@@ -637,7 +644,7 @@
           <a:p>
             <a:fld id="{A74DFF26-CE56-4662-B2CF-543DD1B03770}" type="datetimeFigureOut">
               <a:rPr lang="en-US" smtClean="0"/>
-              <a:t>4/3/2018</a:t>
+              <a:t>4/6/2018</a:t>
             </a:fld>
             <a:endParaRPr lang="en-US"/>
           </a:p>
@@ -1038,7 +1045,7 @@
           <a:p>
             <a:fld id="{A74DFF26-CE56-4662-B2CF-543DD1B03770}" type="datetimeFigureOut">
               <a:rPr lang="en-US" smtClean="0"/>
-              <a:t>4/3/2018</a:t>
+              <a:t>4/6/2018</a:t>
             </a:fld>
             <a:endParaRPr lang="en-US"/>
           </a:p>
@@ -1374,7 +1381,7 @@
           <a:p>
             <a:fld id="{A74DFF26-CE56-4662-B2CF-543DD1B03770}" type="datetimeFigureOut">
               <a:rPr lang="en-US" smtClean="0"/>
-              <a:t>4/3/2018</a:t>
+              <a:t>4/6/2018</a:t>
             </a:fld>
             <a:endParaRPr lang="en-US"/>
           </a:p>
@@ -1694,7 +1701,7 @@
           <a:p>
             <a:fld id="{A74DFF26-CE56-4662-B2CF-543DD1B03770}" type="datetimeFigureOut">
               <a:rPr lang="en-US" smtClean="0"/>
-              <a:t>4/3/2018</a:t>
+              <a:t>4/6/2018</a:t>
             </a:fld>
             <a:endParaRPr lang="en-US"/>
           </a:p>
@@ -2090,7 +2097,7 @@
           <a:p>
             <a:fld id="{A74DFF26-CE56-4662-B2CF-543DD1B03770}" type="datetimeFigureOut">
               <a:rPr lang="en-US" smtClean="0"/>
-              <a:t>4/3/2018</a:t>
+              <a:t>4/6/2018</a:t>
             </a:fld>
             <a:endParaRPr lang="en-US"/>
           </a:p>
@@ -2347,7 +2354,7 @@
           <a:p>
             <a:fld id="{A74DFF26-CE56-4662-B2CF-543DD1B03770}" type="datetimeFigureOut">
               <a:rPr lang="en-US" smtClean="0"/>
-              <a:t>4/3/2018</a:t>
+              <a:t>4/6/2018</a:t>
             </a:fld>
             <a:endParaRPr lang="en-US"/>
           </a:p>
@@ -2609,7 +2616,7 @@
           <a:p>
             <a:fld id="{A74DFF26-CE56-4662-B2CF-543DD1B03770}" type="datetimeFigureOut">
               <a:rPr lang="en-US" smtClean="0"/>
-              <a:t>4/3/2018</a:t>
+              <a:t>4/6/2018</a:t>
             </a:fld>
             <a:endParaRPr lang="en-US"/>
           </a:p>
@@ -2871,7 +2878,7 @@
           <a:p>
             <a:fld id="{A74DFF26-CE56-4662-B2CF-543DD1B03770}" type="datetimeFigureOut">
               <a:rPr lang="en-US" smtClean="0"/>
-              <a:t>4/3/2018</a:t>
+              <a:t>4/6/2018</a:t>
             </a:fld>
             <a:endParaRPr lang="en-US"/>
           </a:p>
@@ -3200,7 +3207,7 @@
           <a:p>
             <a:fld id="{A74DFF26-CE56-4662-B2CF-543DD1B03770}" type="datetimeFigureOut">
               <a:rPr lang="en-US" smtClean="0"/>
-              <a:t>4/3/2018</a:t>
+              <a:t>4/6/2018</a:t>
             </a:fld>
             <a:endParaRPr lang="en-US"/>
           </a:p>
@@ -3523,7 +3530,7 @@
           <a:p>
             <a:fld id="{A74DFF26-CE56-4662-B2CF-543DD1B03770}" type="datetimeFigureOut">
               <a:rPr lang="en-US" smtClean="0"/>
-              <a:t>4/3/2018</a:t>
+              <a:t>4/6/2018</a:t>
             </a:fld>
             <a:endParaRPr lang="en-US"/>
           </a:p>
@@ -3980,7 +3987,7 @@
           <a:p>
             <a:fld id="{A74DFF26-CE56-4662-B2CF-543DD1B03770}" type="datetimeFigureOut">
               <a:rPr lang="en-US" smtClean="0"/>
-              <a:t>4/3/2018</a:t>
+              <a:t>4/6/2018</a:t>
             </a:fld>
             <a:endParaRPr lang="en-US"/>
           </a:p>
@@ -4185,7 +4192,7 @@
           <a:p>
             <a:fld id="{A74DFF26-CE56-4662-B2CF-543DD1B03770}" type="datetimeFigureOut">
               <a:rPr lang="en-US" smtClean="0"/>
-              <a:t>4/3/2018</a:t>
+              <a:t>4/6/2018</a:t>
             </a:fld>
             <a:endParaRPr lang="en-US"/>
           </a:p>
@@ -4362,7 +4369,7 @@
           <a:p>
             <a:fld id="{A74DFF26-CE56-4662-B2CF-543DD1B03770}" type="datetimeFigureOut">
               <a:rPr lang="en-US" smtClean="0"/>
-              <a:t>4/3/2018</a:t>
+              <a:t>4/6/2018</a:t>
             </a:fld>
             <a:endParaRPr lang="en-US"/>
           </a:p>
@@ -4695,7 +4702,7 @@
           <a:p>
             <a:fld id="{A74DFF26-CE56-4662-B2CF-543DD1B03770}" type="datetimeFigureOut">
               <a:rPr lang="en-US" smtClean="0"/>
-              <a:t>4/3/2018</a:t>
+              <a:t>4/6/2018</a:t>
             </a:fld>
             <a:endParaRPr lang="en-US"/>
           </a:p>
@@ -5040,7 +5047,7 @@
           <a:p>
             <a:fld id="{A74DFF26-CE56-4662-B2CF-543DD1B03770}" type="datetimeFigureOut">
               <a:rPr lang="en-US" smtClean="0"/>
-              <a:t>4/3/2018</a:t>
+              <a:t>4/6/2018</a:t>
             </a:fld>
             <a:endParaRPr lang="en-US"/>
           </a:p>
@@ -7157,7 +7164,7 @@
           <a:p>
             <a:fld id="{A74DFF26-CE56-4662-B2CF-543DD1B03770}" type="datetimeFigureOut">
               <a:rPr lang="en-US" smtClean="0"/>
-              <a:t>4/3/2018</a:t>
+              <a:t>4/6/2018</a:t>
             </a:fld>
             <a:endParaRPr lang="en-US"/>
           </a:p>
@@ -8036,18 +8043,81 @@
           <a:bodyPr/>
           <a:lstStyle/>
           <a:p>
+            <a:r>
+              <a:rPr lang="en-US" dirty="0" smtClean="0"/>
+              <a:t>Kata : Prime Factors</a:t>
+            </a:r>
             <a:endParaRPr lang="en-US" dirty="0"/>
           </a:p>
         </p:txBody>
       </p:sp>
-      <p:sp>
-        <p:nvSpPr>
-          <p:cNvPr id="3" name="Content Placeholder 2"/>
-          <p:cNvSpPr>
-            <a:spLocks noGrp="1"/>
-          </p:cNvSpPr>
+      <p:pic>
+        <p:nvPicPr>
+          <p:cNvPr id="4" name="Content Placeholder 3"/>
+          <p:cNvPicPr>
+            <a:picLocks noGrp="1" noChangeAspect="1"/>
+          </p:cNvPicPr>
           <p:nvPr>
             <p:ph idx="1"/>
+          </p:nvPr>
+        </p:nvPicPr>
+        <p:blipFill>
+          <a:blip r:embed="rId2">
+            <a:extLst>
+              <a:ext uri="{28A0092B-C50C-407E-A947-70E740481C1C}">
+                <a14:useLocalDpi xmlns:a14="http://schemas.microsoft.com/office/drawing/2010/main" val="0"/>
+              </a:ext>
+            </a:extLst>
+          </a:blip>
+          <a:stretch>
+            <a:fillRect/>
+          </a:stretch>
+        </p:blipFill>
+        <p:spPr>
+          <a:xfrm>
+            <a:off x="2291886" y="1994263"/>
+            <a:ext cx="4459083" cy="3778250"/>
+          </a:xfrm>
+        </p:spPr>
+      </p:pic>
+    </p:spTree>
+    <p:extLst>
+      <p:ext uri="{BB962C8B-B14F-4D97-AF65-F5344CB8AC3E}">
+        <p14:creationId xmlns:p14="http://schemas.microsoft.com/office/powerpoint/2010/main" val="286041892"/>
+      </p:ext>
+    </p:extLst>
+  </p:cSld>
+  <p:clrMapOvr>
+    <a:masterClrMapping/>
+  </p:clrMapOvr>
+</p:sld>
+</file>
+
+<file path=ppt/slides/slide6.xml><?xml version="1.0" encoding="utf-8"?>
+<p:sld xmlns:a="http://schemas.openxmlformats.org/drawingml/2006/main" xmlns:r="http://schemas.openxmlformats.org/officeDocument/2006/relationships" xmlns:p="http://schemas.openxmlformats.org/presentationml/2006/main">
+  <p:cSld>
+    <p:spTree>
+      <p:nvGrpSpPr>
+        <p:cNvPr id="1" name=""/>
+        <p:cNvGrpSpPr/>
+        <p:nvPr/>
+      </p:nvGrpSpPr>
+      <p:grpSpPr>
+        <a:xfrm>
+          <a:off x="0" y="0"/>
+          <a:ext cx="0" cy="0"/>
+          <a:chOff x="0" y="0"/>
+          <a:chExt cx="0" cy="0"/>
+        </a:xfrm>
+      </p:grpSpPr>
+      <p:sp>
+        <p:nvSpPr>
+          <p:cNvPr id="2" name="Title 1"/>
+          <p:cNvSpPr>
+            <a:spLocks noGrp="1"/>
+          </p:cNvSpPr>
+          <p:nvPr>
+            <p:ph type="title"/>
           </p:nvPr>
         </p:nvSpPr>
         <p:spPr/>
@@ -8055,7 +8125,352 @@
           <a:bodyPr/>
           <a:lstStyle/>
           <a:p>
-            <a:endParaRPr lang="en-US"/>
+            <a:r>
+              <a:rPr lang="en-US" dirty="0" smtClean="0"/>
+              <a:t>Kata : Which are in</a:t>
+            </a:r>
+            <a:endParaRPr lang="en-US" dirty="0"/>
+          </a:p>
+        </p:txBody>
+      </p:sp>
+      <p:sp>
+        <p:nvSpPr>
+          <p:cNvPr id="3" name="Content Placeholder 2"/>
+          <p:cNvSpPr>
+            <a:spLocks noGrp="1"/>
+          </p:cNvSpPr>
+          <p:nvPr>
+            <p:ph idx="1"/>
+          </p:nvPr>
+        </p:nvSpPr>
+        <p:spPr/>
+        <p:txBody>
+          <a:bodyPr>
+            <a:normAutofit fontScale="77500" lnSpcReduction="20000"/>
+          </a:bodyPr>
+          <a:lstStyle/>
+          <a:p>
+            <a:r>
+              <a:rPr lang="en-US" dirty="0"/>
+              <a:t>Given two arrays of strings a1 and a2 return a sorted array r in lexicographical order of the strings of a1 which are substrings of strings of a2</a:t>
+            </a:r>
+            <a:r>
+              <a:rPr lang="en-US" dirty="0" smtClean="0"/>
+              <a:t>.</a:t>
+            </a:r>
+          </a:p>
+          <a:p>
+            <a:pPr marL="457200" lvl="1" indent="0">
+              <a:buNone/>
+            </a:pPr>
+            <a:r>
+              <a:rPr lang="en-US" dirty="0"/>
+              <a:t>#Example 1: </a:t>
+            </a:r>
+            <a:endParaRPr lang="en-US" dirty="0" smtClean="0"/>
+          </a:p>
+          <a:p>
+            <a:pPr marL="400050" lvl="1" indent="0">
+              <a:buNone/>
+            </a:pPr>
+            <a:r>
+              <a:rPr lang="en-US" dirty="0" smtClean="0"/>
+              <a:t>a1 </a:t>
+            </a:r>
+            <a:r>
+              <a:rPr lang="en-US" dirty="0"/>
+              <a:t>= ["</a:t>
+            </a:r>
+            <a:r>
+              <a:rPr lang="en-US" dirty="0" err="1"/>
+              <a:t>arp</a:t>
+            </a:r>
+            <a:r>
+              <a:rPr lang="en-US" dirty="0"/>
+              <a:t>", "live", "strong</a:t>
+            </a:r>
+            <a:r>
+              <a:rPr lang="en-US" dirty="0" smtClean="0"/>
+              <a:t>"]</a:t>
+            </a:r>
+            <a:endParaRPr lang="en-US" dirty="0"/>
+          </a:p>
+          <a:p>
+            <a:pPr marL="400050" lvl="1" indent="0">
+              <a:buNone/>
+            </a:pPr>
+            <a:r>
+              <a:rPr lang="en-US" dirty="0"/>
+              <a:t>a2 = ["lively", "alive", "harp", "sharp", "</a:t>
+            </a:r>
+            <a:r>
+              <a:rPr lang="en-US" dirty="0" err="1"/>
+              <a:t>armstrong</a:t>
+            </a:r>
+            <a:r>
+              <a:rPr lang="en-US" dirty="0" smtClean="0"/>
+              <a:t>"]</a:t>
+            </a:r>
+            <a:endParaRPr lang="en-US" dirty="0"/>
+          </a:p>
+          <a:p>
+            <a:pPr marL="400050" lvl="1" indent="0">
+              <a:buNone/>
+            </a:pPr>
+            <a:r>
+              <a:rPr lang="en-US" dirty="0"/>
+              <a:t>returns ["</a:t>
+            </a:r>
+            <a:r>
+              <a:rPr lang="en-US" dirty="0" err="1"/>
+              <a:t>arp</a:t>
+            </a:r>
+            <a:r>
+              <a:rPr lang="en-US" dirty="0"/>
+              <a:t>", "live", "strong</a:t>
+            </a:r>
+            <a:r>
+              <a:rPr lang="en-US" dirty="0" smtClean="0"/>
+              <a:t>"]</a:t>
+            </a:r>
+          </a:p>
+          <a:p>
+            <a:pPr marL="457200" lvl="1" indent="0">
+              <a:buNone/>
+            </a:pPr>
+            <a:r>
+              <a:rPr lang="en-US" dirty="0" smtClean="0"/>
+              <a:t>#</a:t>
+            </a:r>
+            <a:r>
+              <a:rPr lang="en-US" dirty="0"/>
+              <a:t>Example 2: </a:t>
+            </a:r>
+            <a:endParaRPr lang="en-US" dirty="0" smtClean="0"/>
+          </a:p>
+          <a:p>
+            <a:pPr marL="400050" lvl="1" indent="0">
+              <a:buNone/>
+            </a:pPr>
+            <a:r>
+              <a:rPr lang="en-US" dirty="0" smtClean="0"/>
+              <a:t>a1 </a:t>
+            </a:r>
+            <a:r>
+              <a:rPr lang="en-US" dirty="0"/>
+              <a:t>= ["tarp", "mice", "bull</a:t>
+            </a:r>
+            <a:r>
+              <a:rPr lang="en-US" dirty="0" smtClean="0"/>
+              <a:t>"]</a:t>
+            </a:r>
+            <a:endParaRPr lang="en-US" dirty="0"/>
+          </a:p>
+          <a:p>
+            <a:pPr marL="400050" lvl="1" indent="0">
+              <a:buNone/>
+            </a:pPr>
+            <a:r>
+              <a:rPr lang="en-US" dirty="0"/>
+              <a:t>a2 = ["lively", "alive", "harp", "sharp", "</a:t>
+            </a:r>
+            <a:r>
+              <a:rPr lang="en-US" dirty="0" err="1"/>
+              <a:t>armstrong</a:t>
+            </a:r>
+            <a:r>
+              <a:rPr lang="en-US" dirty="0" smtClean="0"/>
+              <a:t>"]</a:t>
+            </a:r>
+            <a:endParaRPr lang="en-US" dirty="0"/>
+          </a:p>
+          <a:p>
+            <a:pPr marL="400050" lvl="1" indent="0">
+              <a:buNone/>
+            </a:pPr>
+            <a:r>
+              <a:rPr lang="en-US" dirty="0"/>
+              <a:t>returns </a:t>
+            </a:r>
+            <a:r>
+              <a:rPr lang="en-US" dirty="0" smtClean="0"/>
+              <a:t>[]</a:t>
+            </a:r>
+            <a:endParaRPr lang="en-US" dirty="0"/>
+          </a:p>
+          <a:p>
+            <a:r>
+              <a:rPr lang="en-US" dirty="0" smtClean="0"/>
+              <a:t>Notes:</a:t>
+            </a:r>
+          </a:p>
+          <a:p>
+            <a:pPr marL="400050" lvl="1" indent="0">
+              <a:buNone/>
+            </a:pPr>
+            <a:r>
+              <a:rPr lang="en-US" dirty="0" smtClean="0"/>
+              <a:t>Arrays </a:t>
+            </a:r>
+            <a:r>
+              <a:rPr lang="en-US" dirty="0"/>
+              <a:t>are written in "general" notation. See "Your Test Cases" for examples in your language</a:t>
+            </a:r>
+            <a:r>
+              <a:rPr lang="en-US" dirty="0" smtClean="0"/>
+              <a:t>.</a:t>
+            </a:r>
+            <a:endParaRPr lang="en-US" dirty="0"/>
+          </a:p>
+          <a:p>
+            <a:pPr marL="400050" lvl="1" indent="0">
+              <a:buNone/>
+            </a:pPr>
+            <a:r>
+              <a:rPr lang="en-US" dirty="0"/>
+              <a:t>In Shell bash a1 and a2 are strings. The return is a string where words are separated by commas</a:t>
+            </a:r>
+            <a:r>
+              <a:rPr lang="en-US" dirty="0" smtClean="0"/>
+              <a:t>.</a:t>
+            </a:r>
+            <a:endParaRPr lang="en-US" dirty="0"/>
+          </a:p>
+          <a:p>
+            <a:pPr marL="400050" lvl="1" indent="0">
+              <a:buNone/>
+            </a:pPr>
+            <a:r>
+              <a:rPr lang="en-US" dirty="0"/>
+              <a:t>Beware: r must be without duplicates.</a:t>
+            </a:r>
+          </a:p>
+        </p:txBody>
+      </p:sp>
+    </p:spTree>
+    <p:extLst>
+      <p:ext uri="{BB962C8B-B14F-4D97-AF65-F5344CB8AC3E}">
+        <p14:creationId xmlns:p14="http://schemas.microsoft.com/office/powerpoint/2010/main" val="1809225976"/>
+      </p:ext>
+    </p:extLst>
+  </p:cSld>
+  <p:clrMapOvr>
+    <a:masterClrMapping/>
+  </p:clrMapOvr>
+</p:sld>
+</file>
+
+<file path=ppt/slides/slide7.xml><?xml version="1.0" encoding="utf-8"?>
+<p:sld xmlns:a="http://schemas.openxmlformats.org/drawingml/2006/main" xmlns:r="http://schemas.openxmlformats.org/officeDocument/2006/relationships" xmlns:p="http://schemas.openxmlformats.org/presentationml/2006/main">
+  <p:cSld>
+    <p:spTree>
+      <p:nvGrpSpPr>
+        <p:cNvPr id="1" name=""/>
+        <p:cNvGrpSpPr/>
+        <p:nvPr/>
+      </p:nvGrpSpPr>
+      <p:grpSpPr>
+        <a:xfrm>
+          <a:off x="0" y="0"/>
+          <a:ext cx="0" cy="0"/>
+          <a:chOff x="0" y="0"/>
+          <a:chExt cx="0" cy="0"/>
+        </a:xfrm>
+      </p:grpSpPr>
+      <p:sp>
+        <p:nvSpPr>
+          <p:cNvPr id="2" name="Title 1"/>
+          <p:cNvSpPr>
+            <a:spLocks noGrp="1"/>
+          </p:cNvSpPr>
+          <p:nvPr>
+            <p:ph type="title"/>
+          </p:nvPr>
+        </p:nvSpPr>
+        <p:spPr/>
+        <p:txBody>
+          <a:bodyPr/>
+          <a:lstStyle/>
+          <a:p>
+            <a:r>
+              <a:rPr lang="en-US" dirty="0" smtClean="0"/>
+              <a:t>Kata: Phone Numbers</a:t>
+            </a:r>
+            <a:endParaRPr lang="en-US" dirty="0"/>
+          </a:p>
+        </p:txBody>
+      </p:sp>
+      <p:sp>
+        <p:nvSpPr>
+          <p:cNvPr id="3" name="Content Placeholder 2"/>
+          <p:cNvSpPr>
+            <a:spLocks noGrp="1"/>
+          </p:cNvSpPr>
+          <p:nvPr>
+            <p:ph idx="1"/>
+          </p:nvPr>
+        </p:nvSpPr>
+        <p:spPr/>
+        <p:txBody>
+          <a:bodyPr/>
+          <a:lstStyle/>
+          <a:p>
+            <a:r>
+              <a:rPr lang="en-US" dirty="0"/>
+              <a:t>Given a list of phone numbers, determine if it is consistent. In a consistent phone list no number is a prefix of another. For example</a:t>
+            </a:r>
+            <a:r>
+              <a:rPr lang="en-US" dirty="0" smtClean="0"/>
+              <a:t>:</a:t>
+            </a:r>
+          </a:p>
+          <a:p>
+            <a:pPr lvl="2"/>
+            <a:r>
+              <a:rPr lang="en-US" dirty="0"/>
+              <a:t>Bob 91 12 54 26</a:t>
+            </a:r>
+          </a:p>
+          <a:p>
+            <a:pPr lvl="2"/>
+            <a:r>
+              <a:rPr lang="en-US" dirty="0"/>
+              <a:t>Alice 97 625 992</a:t>
+            </a:r>
+          </a:p>
+          <a:p>
+            <a:pPr lvl="2"/>
+            <a:r>
+              <a:rPr lang="en-US" dirty="0"/>
+              <a:t>Emergency </a:t>
+            </a:r>
+            <a:r>
+              <a:rPr lang="en-US" dirty="0" smtClean="0"/>
+              <a:t>911</a:t>
+            </a:r>
+          </a:p>
+          <a:p>
+            <a:r>
+              <a:rPr lang="en-US" dirty="0"/>
+              <a:t>I</a:t>
+            </a:r>
+            <a:r>
+              <a:rPr lang="en-US" dirty="0" smtClean="0"/>
+              <a:t>n </a:t>
+            </a:r>
+            <a:r>
+              <a:rPr lang="en-US" dirty="0"/>
+              <a:t>this case, it is not possible to call Bob because the phone exchange would direct your call to the emergency line as soon as you </a:t>
+            </a:r>
+            <a:r>
+              <a:rPr lang="en-US" dirty="0" smtClean="0"/>
+              <a:t>dialed </a:t>
+            </a:r>
+            <a:r>
+              <a:rPr lang="en-US" dirty="0"/>
+              <a:t>the first three digits of Bob's phone number. So this list would not be consistent.</a:t>
+            </a:r>
+            <a:endParaRPr lang="en-US" dirty="0"/>
           </a:p>
         </p:txBody>
       </p:sp>
